--- a/PPT/第二部分 软件测试技术/5.4  白盒测试技术-对于路径的测试 .pptx
+++ b/PPT/第二部分 软件测试技术/5.4  白盒测试技术-对于路径的测试 .pptx
@@ -5345,11 +5345,7 @@
             </a:pPr>
             <a:r>
               <a:rPr lang="zh-CN" altLang="en-US" b="1" dirty="0" smtClean="0"/>
-              <a:t>是</a:t>
-            </a:r>
-            <a:r>
-              <a:rPr lang="zh-CN" altLang="en-US" b="1" dirty="0" smtClean="0"/>
-              <a:t>描述程序逻辑复杂度的一种软件度量，该度量适用于独立路径方法，它可以给出程序的独立路径条数，这是确保程序中每个可执行语句至少执行一次所必需的测试用例数目的上界。</a:t>
+              <a:t>是描述程序逻辑复杂度的一种软件度量，该度量适用于独立路径方法，它可以给出程序的独立路径条数，这是确保程序中每个可执行语句至少执行一次所必需的测试用例数目的上界。</a:t>
             </a:r>
             <a:endParaRPr lang="en-US" altLang="zh-CN" b="1" dirty="0" smtClean="0"/>
           </a:p>
@@ -5802,19 +5798,11 @@
             </a:pPr>
             <a:r>
               <a:rPr lang="zh-CN" altLang="en-US" sz="3400" b="1" dirty="0" smtClean="0"/>
-              <a:t>独立判定</a:t>
-            </a:r>
-            <a:r>
-              <a:rPr lang="zh-CN" altLang="en-US" sz="3400" b="1" dirty="0" smtClean="0"/>
-              <a:t>节点法：</a:t>
+              <a:t>独立判定节点法：</a:t>
             </a:r>
             <a:r>
               <a:rPr lang="en-US" altLang="zh-CN" sz="3400" b="1" dirty="0" smtClean="0"/>
-              <a:t>V(G)=</a:t>
-            </a:r>
-            <a:r>
-              <a:rPr lang="en-US" altLang="zh-CN" sz="3400" b="1" dirty="0" smtClean="0"/>
-              <a:t>P+1</a:t>
+              <a:t>V(G)=P+1</a:t>
             </a:r>
           </a:p>
           <a:p>
@@ -8986,7 +8974,7 @@
         </p:nvSpPr>
         <p:spPr bwMode="auto">
           <a:xfrm>
-            <a:off x="-47450" y="3797944"/>
+            <a:off x="0" y="3797944"/>
             <a:ext cx="4807423" cy="2226783"/>
           </a:xfrm>
           <a:prstGeom prst="rect">
@@ -12344,13 +12332,7 @@
               <a:rPr lang="zh-CN" altLang="en-US" sz="3100" b="1" dirty="0" smtClean="0">
                 <a:cs typeface="+mn-cs"/>
               </a:rPr>
-              <a:t>基于独立路径的测试用例</a:t>
-            </a:r>
-            <a:r>
-              <a:rPr lang="zh-CN" altLang="en-US" sz="3100" b="1" dirty="0" smtClean="0">
-                <a:cs typeface="+mn-cs"/>
-              </a:rPr>
-              <a:t>设计步骤</a:t>
+              <a:t>基于独立路径的测试用例设计步骤</a:t>
             </a:r>
             <a:endParaRPr lang="en-US" altLang="zh-CN" sz="3100" b="1" dirty="0" smtClean="0">
               <a:cs typeface="+mn-cs"/>
@@ -12398,13 +12380,7 @@
               <a:rPr lang="zh-CN" altLang="en-US" sz="2800" b="1" dirty="0" smtClean="0">
                 <a:cs typeface="+mn-cs"/>
               </a:rPr>
-              <a:t>以最复杂的路径为基础路径，通过覆盖所有判定分支确定其他路径，抽取独立路径</a:t>
-            </a:r>
-            <a:r>
-              <a:rPr lang="zh-CN" altLang="en-US" sz="2800" b="1" dirty="0" smtClean="0">
-                <a:cs typeface="+mn-cs"/>
-              </a:rPr>
-              <a:t>集合</a:t>
+              <a:t>以最复杂的路径为基础路径，通过覆盖所有判定分支确定其他路径，抽取独立路径集合</a:t>
             </a:r>
             <a:endParaRPr lang="en-US" altLang="zh-CN" sz="2800" b="1" dirty="0" smtClean="0">
               <a:cs typeface="+mn-cs"/>
@@ -13349,13 +13325,8 @@
             <a:pPr lvl="1"/>
             <a:r>
               <a:rPr lang="zh-CN" altLang="en-US" b="1" dirty="0" smtClean="0"/>
-              <a:t>如何确定独立路径集合的</a:t>
-            </a:r>
-            <a:r>
-              <a:rPr lang="zh-CN" altLang="en-US" b="1" dirty="0" smtClean="0"/>
-              <a:t>规模（环路复杂度）</a:t>
-            </a:r>
-            <a:endParaRPr lang="zh-CN" altLang="en-US" b="1" dirty="0" smtClean="0"/>
+              <a:t>如何确定独立路径集合的规模（环路复杂度）</a:t>
+            </a:r>
           </a:p>
           <a:p>
             <a:pPr lvl="1"/>
@@ -15381,10 +15352,6 @@
               </a:rPr>
               <a:t>路径覆盖</a:t>
             </a:r>
-            <a:endParaRPr lang="zh-CN" altLang="en-US" b="1" dirty="0">
-              <a:latin typeface="黑体" pitchFamily="49" charset="-122"/>
-              <a:ea typeface="黑体" pitchFamily="49" charset="-122"/>
-            </a:endParaRPr>
           </a:p>
         </p:txBody>
       </p:sp>
@@ -22412,11 +22379,7 @@
             <a:pPr eaLnBrk="1" hangingPunct="1"/>
             <a:r>
               <a:rPr lang="zh-CN" altLang="en-US" sz="3400" b="1" dirty="0" smtClean="0"/>
-              <a:t>多出口</a:t>
-            </a:r>
-            <a:r>
-              <a:rPr lang="zh-CN" altLang="en-US" sz="3400" b="1" dirty="0" smtClean="0"/>
-              <a:t>的控制流图的改造</a:t>
+              <a:t>多出口的控制流图的改造</a:t>
             </a:r>
             <a:endParaRPr lang="en-US" altLang="zh-CN" sz="3400" b="1" dirty="0" smtClean="0"/>
           </a:p>
@@ -23037,11 +23000,7 @@
             </a:r>
             <a:r>
               <a:rPr lang="zh-CN" altLang="en-US" sz="3100" b="1" dirty="0" smtClean="0"/>
-              <a:t>事项</a:t>
-            </a:r>
-            <a:r>
-              <a:rPr lang="zh-CN" altLang="en-US" sz="3100" b="1" dirty="0" smtClean="0"/>
-              <a:t>）</a:t>
+              <a:t>事项）</a:t>
             </a:r>
             <a:endParaRPr lang="en-US" altLang="zh-CN" sz="3100" b="1" dirty="0" smtClean="0"/>
           </a:p>

--- a/PPT/第二部分 软件测试技术/5.4  白盒测试技术-对于路径的测试 .pptx
+++ b/PPT/第二部分 软件测试技术/5.4  白盒测试技术-对于路径的测试 .pptx
@@ -5354,18 +5354,34 @@
               <a:buNone/>
             </a:pPr>
             <a:r>
-              <a:rPr lang="zh-CN" altLang="en-US" b="1" dirty="0" smtClean="0"/>
+              <a:rPr lang="zh-CN" altLang="en-US" b="1" dirty="0" smtClean="0">
+                <a:solidFill>
+                  <a:srgbClr val="FF0000"/>
+                </a:solidFill>
+              </a:rPr>
               <a:t>环路复杂度不应超过</a:t>
             </a:r>
             <a:r>
-              <a:rPr lang="en-US" altLang="zh-CN" b="1" dirty="0" smtClean="0"/>
+              <a:rPr lang="en-US" altLang="zh-CN" b="1" dirty="0" smtClean="0">
+                <a:solidFill>
+                  <a:srgbClr val="FF0000"/>
+                </a:solidFill>
+              </a:rPr>
               <a:t>10</a:t>
             </a:r>
             <a:r>
-              <a:rPr lang="zh-CN" altLang="en-US" b="1" dirty="0" smtClean="0"/>
+              <a:rPr lang="zh-CN" altLang="en-US" b="1" dirty="0" smtClean="0">
+                <a:solidFill>
+                  <a:srgbClr val="FF0000"/>
+                </a:solidFill>
+              </a:rPr>
               <a:t>。</a:t>
             </a:r>
-            <a:endParaRPr lang="en-US" altLang="zh-CN" b="1" dirty="0" smtClean="0"/>
+            <a:endParaRPr lang="en-US" altLang="zh-CN" b="1" dirty="0" smtClean="0">
+              <a:solidFill>
+                <a:srgbClr val="FF0000"/>
+              </a:solidFill>
+            </a:endParaRPr>
           </a:p>
         </p:txBody>
       </p:sp>
@@ -12470,7 +12486,7 @@
         </p:nvSpPr>
         <p:spPr>
           <a:xfrm>
-            <a:off x="730101" y="1178133"/>
+            <a:off x="755576" y="404664"/>
             <a:ext cx="8001000" cy="4267200"/>
           </a:xfrm>
         </p:spPr>
@@ -12485,19 +12501,19 @@
               <a:buNone/>
             </a:pPr>
             <a:r>
-              <a:rPr lang="en-US" altLang="zh-CN" sz="2000" dirty="0" smtClean="0"/>
+              <a:rPr lang="en-US" altLang="zh-CN" sz="2400" b="1" dirty="0" smtClean="0"/>
               <a:t>int SampleFunc1(int </a:t>
             </a:r>
             <a:r>
-              <a:rPr lang="en-US" altLang="zh-CN" sz="2000" dirty="0" err="1"/>
+              <a:rPr lang="en-US" altLang="zh-CN" sz="2400" b="1" dirty="0" err="1"/>
               <a:t>i</a:t>
             </a:r>
             <a:r>
-              <a:rPr lang="en-US" altLang="zh-CN" sz="2000" dirty="0" err="1" smtClean="0"/>
+              <a:rPr lang="en-US" altLang="zh-CN" sz="2400" b="1" dirty="0" err="1" smtClean="0"/>
               <a:t>,int</a:t>
             </a:r>
             <a:r>
-              <a:rPr lang="en-US" altLang="zh-CN" sz="2000" dirty="0" smtClean="0"/>
+              <a:rPr lang="en-US" altLang="zh-CN" sz="2400" b="1" dirty="0" smtClean="0"/>
               <a:t> j)</a:t>
             </a:r>
           </a:p>
@@ -12509,7 +12525,7 @@
               <a:buNone/>
             </a:pPr>
             <a:r>
-              <a:rPr lang="en-US" altLang="zh-CN" sz="2000" dirty="0" smtClean="0"/>
+              <a:rPr lang="en-US" altLang="zh-CN" sz="2400" b="1" dirty="0" smtClean="0"/>
               <a:t>{</a:t>
             </a:r>
           </a:p>
@@ -12521,7 +12537,7 @@
               <a:buNone/>
             </a:pPr>
             <a:r>
-              <a:rPr lang="en-US" altLang="zh-CN" sz="2000" dirty="0" smtClean="0"/>
+              <a:rPr lang="en-US" altLang="zh-CN" sz="2400" b="1" dirty="0" smtClean="0"/>
               <a:t>int num1=0;</a:t>
             </a:r>
           </a:p>
@@ -12533,7 +12549,7 @@
               <a:buNone/>
             </a:pPr>
             <a:r>
-              <a:rPr lang="en-US" altLang="zh-CN" sz="2000" dirty="0" smtClean="0"/>
+              <a:rPr lang="en-US" altLang="zh-CN" sz="2400" b="1" dirty="0" smtClean="0"/>
               <a:t>int num2=0;</a:t>
             </a:r>
           </a:p>
@@ -12545,7 +12561,7 @@
               <a:buAutoNum type="arabicPlain"/>
             </a:pPr>
             <a:r>
-              <a:rPr lang="en-US" altLang="zh-CN" sz="2000" dirty="0" smtClean="0"/>
+              <a:rPr lang="en-US" altLang="zh-CN" sz="2400" b="1" dirty="0" smtClean="0"/>
               <a:t>while(i&lt;10)</a:t>
             </a:r>
           </a:p>
@@ -12557,7 +12573,7 @@
               <a:buAutoNum type="arabicPlain"/>
             </a:pPr>
             <a:r>
-              <a:rPr lang="en-US" altLang="zh-CN" sz="2000" dirty="0" smtClean="0"/>
+              <a:rPr lang="en-US" altLang="zh-CN" sz="2400" b="1" dirty="0" smtClean="0"/>
               <a:t>{</a:t>
             </a:r>
           </a:p>
@@ -12569,12 +12585,28 @@
               <a:buAutoNum type="arabicPlain"/>
             </a:pPr>
             <a:r>
-              <a:rPr lang="en-US" altLang="zh-CN" sz="2000" dirty="0"/>
+              <a:rPr lang="en-US" altLang="zh-CN" sz="2400" b="1" dirty="0"/>
               <a:t> </a:t>
             </a:r>
             <a:r>
-              <a:rPr lang="en-US" altLang="zh-CN" sz="2000" dirty="0" smtClean="0"/>
-              <a:t>    if(j==0 &amp;&amp; j==2)</a:t>
+              <a:rPr lang="en-US" altLang="zh-CN" sz="2400" b="1" dirty="0" smtClean="0"/>
+              <a:t>    if(j==</a:t>
+            </a:r>
+            <a:r>
+              <a:rPr lang="en-US" altLang="zh-CN" sz="2400" b="1" smtClean="0"/>
+              <a:t>0 </a:t>
+            </a:r>
+            <a:r>
+              <a:rPr lang="en-US" altLang="zh-CN" sz="2400" b="1" smtClean="0"/>
+              <a:t>||</a:t>
+            </a:r>
+            <a:r>
+              <a:rPr lang="en-US" altLang="zh-CN" sz="2400" b="1" smtClean="0"/>
+              <a:t> </a:t>
+            </a:r>
+            <a:r>
+              <a:rPr lang="en-US" altLang="zh-CN" sz="2400" b="1" dirty="0" smtClean="0"/>
+              <a:t>j==2)</a:t>
             </a:r>
           </a:p>
           <a:p>
@@ -12585,11 +12617,11 @@
               <a:buAutoNum type="arabicPlain"/>
             </a:pPr>
             <a:r>
-              <a:rPr lang="en-US" altLang="zh-CN" sz="2000" dirty="0"/>
+              <a:rPr lang="en-US" altLang="zh-CN" sz="2400" b="1" dirty="0"/>
               <a:t> </a:t>
             </a:r>
             <a:r>
-              <a:rPr lang="en-US" altLang="zh-CN" sz="2000" dirty="0" smtClean="0"/>
+              <a:rPr lang="en-US" altLang="zh-CN" sz="2400" b="1" dirty="0" smtClean="0"/>
               <a:t>   {</a:t>
             </a:r>
           </a:p>
@@ -12601,19 +12633,19 @@
               <a:buAutoNum type="arabicPlain"/>
             </a:pPr>
             <a:r>
-              <a:rPr lang="en-US" altLang="zh-CN" sz="2000" dirty="0"/>
+              <a:rPr lang="en-US" altLang="zh-CN" sz="2400" b="1" dirty="0"/>
               <a:t> </a:t>
             </a:r>
             <a:r>
-              <a:rPr lang="en-US" altLang="zh-CN" sz="2000" dirty="0" smtClean="0"/>
+              <a:rPr lang="en-US" altLang="zh-CN" sz="2400" b="1" dirty="0" smtClean="0"/>
               <a:t> 	</a:t>
             </a:r>
             <a:r>
-              <a:rPr lang="en-US" altLang="zh-CN" sz="2000" dirty="0"/>
+              <a:rPr lang="en-US" altLang="zh-CN" sz="2400" b="1" dirty="0"/>
               <a:t> </a:t>
             </a:r>
             <a:r>
-              <a:rPr lang="en-US" altLang="zh-CN" sz="2000" dirty="0" smtClean="0"/>
+              <a:rPr lang="en-US" altLang="zh-CN" sz="2400" b="1" dirty="0" smtClean="0"/>
               <a:t>    num1++;</a:t>
             </a:r>
           </a:p>
@@ -12625,7 +12657,7 @@
               <a:buAutoNum type="arabicPlain"/>
             </a:pPr>
             <a:r>
-              <a:rPr lang="en-US" altLang="zh-CN" sz="2000" dirty="0" smtClean="0"/>
+              <a:rPr lang="en-US" altLang="zh-CN" sz="2400" b="1" dirty="0" smtClean="0"/>
               <a:t>    }</a:t>
             </a:r>
           </a:p>
@@ -12637,11 +12669,11 @@
               <a:buAutoNum type="arabicPlain"/>
             </a:pPr>
             <a:r>
-              <a:rPr lang="en-US" altLang="zh-CN" sz="2000" dirty="0"/>
+              <a:rPr lang="en-US" altLang="zh-CN" sz="2400" b="1" dirty="0"/>
               <a:t> </a:t>
             </a:r>
             <a:r>
-              <a:rPr lang="en-US" altLang="zh-CN" sz="2000" dirty="0" smtClean="0"/>
+              <a:rPr lang="en-US" altLang="zh-CN" sz="2400" b="1" dirty="0" smtClean="0"/>
               <a:t>    else if(j==1)</a:t>
             </a:r>
           </a:p>
@@ -12653,7 +12685,7 @@
               <a:buAutoNum type="arabicPlain"/>
             </a:pPr>
             <a:r>
-              <a:rPr lang="en-US" altLang="zh-CN" sz="2000" dirty="0" smtClean="0"/>
+              <a:rPr lang="en-US" altLang="zh-CN" sz="2400" b="1" dirty="0" smtClean="0"/>
               <a:t>     {</a:t>
             </a:r>
           </a:p>
@@ -12665,11 +12697,11 @@
               <a:buAutoNum type="arabicPlain"/>
             </a:pPr>
             <a:r>
-              <a:rPr lang="en-US" altLang="zh-CN" sz="2000" dirty="0"/>
+              <a:rPr lang="en-US" altLang="zh-CN" sz="2400" b="1" dirty="0"/>
               <a:t> </a:t>
             </a:r>
             <a:r>
-              <a:rPr lang="en-US" altLang="zh-CN" sz="2000" dirty="0" smtClean="0"/>
+              <a:rPr lang="en-US" altLang="zh-CN" sz="2400" b="1" dirty="0" smtClean="0"/>
               <a:t>          num2++;   </a:t>
             </a:r>
           </a:p>
@@ -12681,7 +12713,7 @@
               <a:buAutoNum type="arabicPlain"/>
             </a:pPr>
             <a:r>
-              <a:rPr lang="en-US" altLang="zh-CN" sz="2000" dirty="0" smtClean="0"/>
+              <a:rPr lang="en-US" altLang="zh-CN" sz="2400" b="1" dirty="0" smtClean="0"/>
               <a:t>    } </a:t>
             </a:r>
           </a:p>
@@ -12693,11 +12725,11 @@
               <a:buAutoNum type="arabicPlain"/>
             </a:pPr>
             <a:r>
-              <a:rPr lang="en-US" altLang="zh-CN" sz="2000" dirty="0"/>
+              <a:rPr lang="en-US" altLang="zh-CN" sz="2400" b="1" dirty="0"/>
               <a:t> </a:t>
             </a:r>
             <a:r>
-              <a:rPr lang="en-US" altLang="zh-CN" sz="2000" dirty="0" smtClean="0"/>
+              <a:rPr lang="en-US" altLang="zh-CN" sz="2400" b="1" dirty="0" smtClean="0"/>
               <a:t>  i++;</a:t>
             </a:r>
           </a:p>
@@ -12709,7 +12741,7 @@
               <a:buAutoNum type="arabicPlain"/>
             </a:pPr>
             <a:r>
-              <a:rPr lang="en-US" altLang="zh-CN" sz="2000" dirty="0" smtClean="0"/>
+              <a:rPr lang="en-US" altLang="zh-CN" sz="2400" b="1" dirty="0" smtClean="0"/>
               <a:t>}</a:t>
             </a:r>
           </a:p>
@@ -12721,11 +12753,11 @@
               <a:buAutoNum type="arabicPlain"/>
             </a:pPr>
             <a:r>
-              <a:rPr lang="en-US" altLang="zh-CN" sz="2000" dirty="0" err="1" smtClean="0"/>
+              <a:rPr lang="en-US" altLang="zh-CN" sz="2400" b="1" dirty="0" err="1" smtClean="0"/>
               <a:t>printf</a:t>
             </a:r>
             <a:r>
-              <a:rPr lang="en-US" altLang="zh-CN" sz="2000" dirty="0" smtClean="0"/>
+              <a:rPr lang="en-US" altLang="zh-CN" sz="2400" b="1" dirty="0" smtClean="0"/>
               <a:t>(“num1=%d,num2=%d”,num1,num2)</a:t>
             </a:r>
           </a:p>
@@ -12734,16 +12766,16 @@
               <a:buAutoNum type="arabicPlain"/>
             </a:pPr>
             <a:r>
-              <a:rPr lang="en-US" altLang="zh-CN" sz="1800" dirty="0"/>
+              <a:rPr lang="en-US" altLang="zh-CN" sz="2000" b="1" dirty="0"/>
               <a:t>}</a:t>
             </a:r>
-            <a:endParaRPr lang="en-US" altLang="zh-CN" sz="1800" dirty="0" smtClean="0"/>
+            <a:endParaRPr lang="en-US" altLang="zh-CN" sz="2000" b="1" dirty="0" smtClean="0"/>
           </a:p>
           <a:p>
             <a:pPr marL="0" indent="0">
               <a:buNone/>
             </a:pPr>
-            <a:endParaRPr lang="en-US" altLang="zh-CN" sz="1800" dirty="0" smtClean="0"/>
+            <a:endParaRPr lang="en-US" altLang="zh-CN" sz="2000" b="1" dirty="0" smtClean="0"/>
           </a:p>
           <a:p>
             <a:pPr marL="0" indent="0">
@@ -15365,7 +15397,7 @@
             <p:ph idx="1"/>
             <p:extLst>
               <p:ext uri="{D42A27DB-BD31-4B8C-83A1-F6EECF244321}">
-                <p14:modId xmlns:p14="http://schemas.microsoft.com/office/powerpoint/2010/main" val="3206605901"/>
+                <p14:modId xmlns:p14="http://schemas.microsoft.com/office/powerpoint/2010/main" val="2908283831"/>
               </p:ext>
             </p:extLst>
           </p:nvPr>
@@ -15839,7 +15871,23 @@
                             <a:schemeClr val="tx1"/>
                           </a:solidFill>
                         </a:rPr>
-                        <a:t>0,3,0,4</a:t>
+                        <a:t>0,</a:t>
+                      </a:r>
+                      <a:r>
+                        <a:rPr lang="en-US" altLang="zh-CN" dirty="0" smtClean="0">
+                          <a:solidFill>
+                            <a:srgbClr val="FF0000"/>
+                          </a:solidFill>
+                        </a:rPr>
+                        <a:t>1</a:t>
+                      </a:r>
+                      <a:r>
+                        <a:rPr lang="en-US" altLang="zh-CN" dirty="0" smtClean="0">
+                          <a:solidFill>
+                            <a:schemeClr val="tx1"/>
+                          </a:solidFill>
+                        </a:rPr>
+                        <a:t>,0,4</a:t>
                       </a:r>
                       <a:endParaRPr lang="zh-CN" altLang="en-US" dirty="0">
                         <a:solidFill>
@@ -15899,7 +15947,7 @@
                             <a:schemeClr val="tx1"/>
                           </a:solidFill>
                         </a:rPr>
-                        <a:t>0,3,0,4</a:t>
+                        <a:t>0,1,0,4</a:t>
                       </a:r>
                       <a:endParaRPr lang="zh-CN" altLang="en-US" dirty="0">
                         <a:solidFill>
@@ -16098,7 +16146,31 @@
                             <a:schemeClr val="tx1"/>
                           </a:solidFill>
                         </a:rPr>
-                        <a:t>-1,3,3,-3</a:t>
+                        <a:t>0,</a:t>
+                      </a:r>
+                      <a:r>
+                        <a:rPr lang="en-US" altLang="zh-CN" dirty="0" smtClean="0">
+                          <a:solidFill>
+                            <a:srgbClr val="FF0000"/>
+                          </a:solidFill>
+                        </a:rPr>
+                        <a:t>1</a:t>
+                      </a:r>
+                      <a:r>
+                        <a:rPr lang="en-US" altLang="zh-CN" dirty="0" smtClean="0">
+                          <a:solidFill>
+                            <a:schemeClr val="tx1"/>
+                          </a:solidFill>
+                        </a:rPr>
+                        <a:t>,3</a:t>
+                      </a:r>
+                      <a:r>
+                        <a:rPr lang="en-US" altLang="zh-CN" dirty="0" smtClean="0">
+                          <a:solidFill>
+                            <a:schemeClr val="tx1"/>
+                          </a:solidFill>
+                        </a:rPr>
+                        <a:t>,-3</a:t>
                       </a:r>
                       <a:endParaRPr lang="zh-CN" altLang="en-US" dirty="0">
                         <a:solidFill>
@@ -16158,7 +16230,15 @@
                             <a:schemeClr val="tx1"/>
                           </a:solidFill>
                         </a:rPr>
-                        <a:t>-1,3,3,-3</a:t>
+                        <a:t>0,1,3</a:t>
+                      </a:r>
+                      <a:r>
+                        <a:rPr lang="en-US" altLang="zh-CN" dirty="0" smtClean="0">
+                          <a:solidFill>
+                            <a:schemeClr val="tx1"/>
+                          </a:solidFill>
+                        </a:rPr>
+                        <a:t>,-3</a:t>
                       </a:r>
                       <a:endParaRPr lang="zh-CN" altLang="en-US" dirty="0">
                         <a:solidFill>
@@ -16340,7 +16420,31 @@
                             <a:schemeClr val="tx1"/>
                           </a:solidFill>
                         </a:rPr>
-                        <a:t>2,1,0,-3</a:t>
+                        <a:t>2,</a:t>
+                      </a:r>
+                      <a:r>
+                        <a:rPr lang="en-US" altLang="zh-CN" dirty="0" smtClean="0">
+                          <a:solidFill>
+                            <a:srgbClr val="FF0000"/>
+                          </a:solidFill>
+                        </a:rPr>
+                        <a:t>1</a:t>
+                      </a:r>
+                      <a:r>
+                        <a:rPr lang="en-US" altLang="zh-CN" dirty="0" smtClean="0">
+                          <a:solidFill>
+                            <a:schemeClr val="tx1"/>
+                          </a:solidFill>
+                        </a:rPr>
+                        <a:t>,0</a:t>
+                      </a:r>
+                      <a:r>
+                        <a:rPr lang="en-US" altLang="zh-CN" dirty="0" smtClean="0">
+                          <a:solidFill>
+                            <a:schemeClr val="tx1"/>
+                          </a:solidFill>
+                        </a:rPr>
+                        <a:t>,-3</a:t>
                       </a:r>
                       <a:endParaRPr lang="zh-CN" altLang="en-US" dirty="0">
                         <a:solidFill>
@@ -16599,7 +16703,23 @@
                             <a:schemeClr val="tx1"/>
                           </a:solidFill>
                         </a:rPr>
-                        <a:t>3,1,0,-3</a:t>
+                        <a:t>3,</a:t>
+                      </a:r>
+                      <a:r>
+                        <a:rPr lang="en-US" altLang="zh-CN" dirty="0" smtClean="0">
+                          <a:solidFill>
+                            <a:srgbClr val="FF0000"/>
+                          </a:solidFill>
+                        </a:rPr>
+                        <a:t>1</a:t>
+                      </a:r>
+                      <a:r>
+                        <a:rPr lang="en-US" altLang="zh-CN" dirty="0" smtClean="0">
+                          <a:solidFill>
+                            <a:schemeClr val="tx1"/>
+                          </a:solidFill>
+                        </a:rPr>
+                        <a:t>,0,-3</a:t>
                       </a:r>
                       <a:endParaRPr lang="zh-CN" altLang="en-US" dirty="0" smtClean="0">
                         <a:solidFill>
@@ -16842,7 +16962,7 @@
         </p:blipFill>
         <p:spPr bwMode="auto">
           <a:xfrm>
-            <a:off x="7020272" y="548680"/>
+            <a:off x="7524328" y="476671"/>
             <a:ext cx="3781762" cy="5566817"/>
           </a:xfrm>
           <a:prstGeom prst="rect">
@@ -16957,7 +17077,27 @@
                 <a:latin typeface="+mn-lt"/>
                 <a:ea typeface="+mn-ea"/>
               </a:rPr>
-              <a:t>路径测试不一定满足条件覆盖，一定满足判定覆盖</a:t>
+              <a:t>路径测试</a:t>
+            </a:r>
+            <a:r>
+              <a:rPr lang="zh-CN" altLang="en-US" sz="2400" b="1" dirty="0" smtClean="0">
+                <a:solidFill>
+                  <a:srgbClr val="0000FF"/>
+                </a:solidFill>
+                <a:latin typeface="+mn-lt"/>
+                <a:ea typeface="+mn-ea"/>
+              </a:rPr>
+              <a:t>不一定</a:t>
+            </a:r>
+            <a:r>
+              <a:rPr lang="zh-CN" altLang="en-US" sz="2400" b="1" dirty="0" smtClean="0">
+                <a:solidFill>
+                  <a:srgbClr val="FF0000"/>
+                </a:solidFill>
+                <a:latin typeface="+mn-lt"/>
+                <a:ea typeface="+mn-ea"/>
+              </a:rPr>
+              <a:t>满足条件覆盖，一定满足判定覆盖</a:t>
             </a:r>
             <a:endParaRPr lang="zh-CN" altLang="en-US" sz="2400" b="1" dirty="0">
               <a:solidFill>
@@ -17506,54 +17646,54 @@
           <a:p>
             <a:pPr eaLnBrk="1" hangingPunct="1"/>
             <a:r>
-              <a:rPr lang="zh-CN" altLang="en-US" sz="3400" b="1" smtClean="0"/>
+              <a:rPr lang="zh-CN" altLang="en-US" sz="3400" b="1" dirty="0" smtClean="0"/>
               <a:t>测试用例设计</a:t>
             </a:r>
-            <a:endParaRPr lang="en-US" altLang="zh-CN" sz="3400" b="1" smtClean="0"/>
+            <a:endParaRPr lang="en-US" altLang="zh-CN" sz="3400" b="1" dirty="0" smtClean="0"/>
           </a:p>
           <a:p>
             <a:pPr lvl="1" eaLnBrk="1" hangingPunct="1"/>
             <a:r>
-              <a:rPr lang="zh-CN" altLang="en-US" sz="2700" b="1" smtClean="0"/>
+              <a:rPr lang="zh-CN" altLang="en-US" sz="2700" b="1" dirty="0" smtClean="0"/>
               <a:t>测试难点</a:t>
             </a:r>
-            <a:endParaRPr lang="en-US" altLang="zh-CN" sz="2700" b="1" smtClean="0"/>
+            <a:endParaRPr lang="en-US" altLang="zh-CN" sz="2700" b="1" dirty="0" smtClean="0"/>
           </a:p>
           <a:p>
             <a:pPr lvl="1" eaLnBrk="1" hangingPunct="1"/>
             <a:r>
-              <a:rPr lang="zh-CN" altLang="en-US" sz="2700" b="1" smtClean="0"/>
+              <a:rPr lang="zh-CN" altLang="en-US" sz="2700" b="1" dirty="0" smtClean="0"/>
               <a:t>独立路径集合规模确定</a:t>
             </a:r>
-            <a:endParaRPr lang="en-US" altLang="zh-CN" sz="2700" b="1" smtClean="0"/>
+            <a:endParaRPr lang="en-US" altLang="zh-CN" sz="2700" b="1" dirty="0" smtClean="0"/>
           </a:p>
           <a:p>
             <a:pPr lvl="1" eaLnBrk="1" hangingPunct="1"/>
             <a:r>
-              <a:rPr lang="zh-CN" altLang="en-US" sz="2700" b="1" smtClean="0"/>
+              <a:rPr lang="zh-CN" altLang="en-US" sz="2700" b="1" dirty="0" smtClean="0"/>
               <a:t>独立路径的抽取</a:t>
             </a:r>
-            <a:endParaRPr lang="en-US" altLang="zh-CN" sz="2700" b="1" smtClean="0"/>
+            <a:endParaRPr lang="en-US" altLang="zh-CN" sz="2700" b="1" dirty="0" smtClean="0"/>
           </a:p>
           <a:p>
             <a:pPr lvl="1" eaLnBrk="1" hangingPunct="1"/>
             <a:r>
-              <a:rPr lang="zh-CN" altLang="en-US" sz="2700" b="1" smtClean="0"/>
+              <a:rPr lang="zh-CN" altLang="en-US" sz="2700" b="1" dirty="0" smtClean="0"/>
               <a:t>不可行路径的处理</a:t>
             </a:r>
-            <a:endParaRPr lang="en-US" altLang="zh-CN" sz="2700" b="1" smtClean="0"/>
+            <a:endParaRPr lang="en-US" altLang="zh-CN" sz="2700" b="1" dirty="0" smtClean="0"/>
           </a:p>
           <a:p>
             <a:pPr lvl="1" eaLnBrk="1" hangingPunct="1"/>
             <a:r>
-              <a:rPr lang="zh-CN" altLang="en-US" sz="2700" b="1" smtClean="0">
+              <a:rPr lang="zh-CN" altLang="en-US" sz="2700" b="1" dirty="0" smtClean="0">
                 <a:solidFill>
                   <a:srgbClr val="0000FF"/>
                 </a:solidFill>
               </a:rPr>
               <a:t>测试用例的设计</a:t>
             </a:r>
-            <a:endParaRPr lang="en-US" altLang="zh-CN" sz="2700" b="1" smtClean="0">
+            <a:endParaRPr lang="en-US" altLang="zh-CN" sz="2700" b="1" dirty="0" smtClean="0">
               <a:solidFill>
                 <a:srgbClr val="0000FF"/>
               </a:solidFill>
@@ -23069,7 +23209,7 @@
         </p:blipFill>
         <p:spPr bwMode="auto">
           <a:xfrm>
-            <a:off x="5724128" y="116632"/>
+            <a:off x="6084168" y="260648"/>
             <a:ext cx="3143250" cy="3106738"/>
           </a:xfrm>
           <a:prstGeom prst="rect">
